--- a/20181127_intro_to_data_science_tools/coffee_coding_intro_and_ds_tools.pptx
+++ b/20181127_intro_to_data_science_tools/coffee_coding_intro_and_ds_tools.pptx
@@ -225,7 +225,7 @@
           <a:p>
             <a:fld id="{1EEC0A57-BEE6-4ADC-AD00-BBE8E091D56E}" type="datetimeFigureOut">
               <a:rPr lang="en-GB" smtClean="0"/>
-              <a:t>26/11/2018</a:t>
+              <a:t>27/11/2018</a:t>
             </a:fld>
             <a:endParaRPr lang="en-GB"/>
           </a:p>
@@ -537,9 +537,33 @@
           <a:bodyPr/>
           <a:lstStyle/>
           <a:p>
+            <a:pPr marL="171450" indent="-171450">
+              <a:buFontTx/>
+              <a:buChar char="-"/>
+            </a:pPr>
             <a:r>
               <a:rPr lang="en-GB" dirty="0"/>
-              <a:t>These will work together, and often can be seen as high level API – often the underlying libraries are written to be very efficient (often in C++)</a:t>
+              <a:t>This session is a trial – it’s all a work in progress</a:t>
+            </a:r>
+          </a:p>
+          <a:p>
+            <a:pPr marL="171450" indent="-171450">
+              <a:buFontTx/>
+              <a:buChar char="-"/>
+            </a:pPr>
+            <a:r>
+              <a:rPr lang="en-GB" dirty="0"/>
+              <a:t>DAP bullet point: people are moving to coding in DAP so that’s where a lot of the questions will be, and that’s not a bad thing!</a:t>
+            </a:r>
+          </a:p>
+          <a:p>
+            <a:pPr marL="171450" indent="-171450">
+              <a:buFontTx/>
+              <a:buChar char="-"/>
+            </a:pPr>
+            <a:r>
+              <a:rPr lang="en-GB" dirty="0"/>
+              <a:t>Last bullet point: helping people in the community get to know each other and relative areas of expertise</a:t>
             </a:r>
           </a:p>
         </p:txBody>
@@ -561,7 +585,7 @@
           <a:p>
             <a:fld id="{C268A4C8-8020-4B00-A1DD-AF629498B303}" type="slidenum">
               <a:rPr lang="en-GB" smtClean="0"/>
-              <a:t>8</a:t>
+              <a:t>2</a:t>
             </a:fld>
             <a:endParaRPr lang="en-GB"/>
           </a:p>
@@ -570,7 +594,7 @@
     </p:spTree>
     <p:extLst>
       <p:ext uri="{BB962C8B-B14F-4D97-AF65-F5344CB8AC3E}">
-        <p14:creationId xmlns:p14="http://schemas.microsoft.com/office/powerpoint/2010/main" val="2176109056"/>
+        <p14:creationId xmlns:p14="http://schemas.microsoft.com/office/powerpoint/2010/main" val="290294726"/>
       </p:ext>
     </p:extLst>
   </p:cSld>
@@ -626,7 +650,7 @@
           <a:p>
             <a:r>
               <a:rPr lang="en-GB" dirty="0"/>
-              <a:t>Libraries often written to be highly efficient in C++ - the language is just an high level interface to this </a:t>
+              <a:t>These will work together, and often can be seen as high level API – often the underlying libraries are written to be very efficient (often in C++)</a:t>
             </a:r>
           </a:p>
         </p:txBody>
@@ -648,7 +672,7 @@
           <a:p>
             <a:fld id="{C268A4C8-8020-4B00-A1DD-AF629498B303}" type="slidenum">
               <a:rPr lang="en-GB" smtClean="0"/>
-              <a:t>11</a:t>
+              <a:t>8</a:t>
             </a:fld>
             <a:endParaRPr lang="en-GB"/>
           </a:p>
@@ -657,7 +681,7 @@
     </p:spTree>
     <p:extLst>
       <p:ext uri="{BB962C8B-B14F-4D97-AF65-F5344CB8AC3E}">
-        <p14:creationId xmlns:p14="http://schemas.microsoft.com/office/powerpoint/2010/main" val="75305383"/>
+        <p14:creationId xmlns:p14="http://schemas.microsoft.com/office/powerpoint/2010/main" val="2176109056"/>
       </p:ext>
     </p:extLst>
   </p:cSld>
@@ -713,44 +737,8 @@
           <a:p>
             <a:r>
               <a:rPr lang="en-GB" dirty="0"/>
-              <a:t>QCC</a:t>
-            </a:r>
-          </a:p>
-          <a:p>
-            <a:r>
-              <a:rPr lang="en-GB" dirty="0" err="1"/>
-              <a:t>WeibullR</a:t>
-            </a:r>
-            <a:r>
-              <a:rPr lang="en-GB" dirty="0"/>
-              <a:t>, Weibull++</a:t>
-            </a:r>
-          </a:p>
-          <a:p>
-            <a:r>
-              <a:rPr lang="en-GB" dirty="0"/>
-              <a:t>OpenCV, </a:t>
-            </a:r>
-            <a:r>
-              <a:rPr lang="en-GB" dirty="0" err="1"/>
-              <a:t>SimpleCV</a:t>
-            </a:r>
-            <a:endParaRPr lang="en-GB" dirty="0"/>
-          </a:p>
-          <a:p>
-            <a:r>
-              <a:rPr lang="en-GB" dirty="0" err="1"/>
-              <a:t>Sckit</a:t>
-            </a:r>
-            <a:r>
-              <a:rPr lang="en-GB" dirty="0"/>
-              <a:t>-Learn, </a:t>
-            </a:r>
-            <a:r>
-              <a:rPr lang="en-GB" dirty="0" err="1"/>
-              <a:t>XGBoost</a:t>
-            </a:r>
-            <a:endParaRPr lang="en-GB" dirty="0"/>
+              <a:t>Libraries often written to be highly efficient in C++ - the language is just an high level interface to this </a:t>
+            </a:r>
           </a:p>
         </p:txBody>
       </p:sp>
@@ -771,7 +759,7 @@
           <a:p>
             <a:fld id="{C268A4C8-8020-4B00-A1DD-AF629498B303}" type="slidenum">
               <a:rPr lang="en-GB" smtClean="0"/>
-              <a:t>12</a:t>
+              <a:t>11</a:t>
             </a:fld>
             <a:endParaRPr lang="en-GB"/>
           </a:p>
@@ -780,7 +768,7 @@
     </p:spTree>
     <p:extLst>
       <p:ext uri="{BB962C8B-B14F-4D97-AF65-F5344CB8AC3E}">
-        <p14:creationId xmlns:p14="http://schemas.microsoft.com/office/powerpoint/2010/main" val="3552944459"/>
+        <p14:creationId xmlns:p14="http://schemas.microsoft.com/office/powerpoint/2010/main" val="75305383"/>
       </p:ext>
     </p:extLst>
   </p:cSld>
@@ -836,43 +824,44 @@
           <a:p>
             <a:r>
               <a:rPr lang="en-GB" dirty="0"/>
-              <a:t>Personal preference and system/client constraints can affect choose.</a:t>
-            </a:r>
-          </a:p>
-          <a:p>
+              <a:t>QCC</a:t>
+            </a:r>
+          </a:p>
+          <a:p>
+            <a:r>
+              <a:rPr lang="en-GB" dirty="0" err="1"/>
+              <a:t>WeibullR</a:t>
+            </a:r>
+            <a:r>
+              <a:rPr lang="en-GB" dirty="0"/>
+              <a:t>, Weibull++</a:t>
+            </a:r>
+          </a:p>
+          <a:p>
+            <a:r>
+              <a:rPr lang="en-GB" dirty="0"/>
+              <a:t>OpenCV, </a:t>
+            </a:r>
+            <a:r>
+              <a:rPr lang="en-GB" dirty="0" err="1"/>
+              <a:t>SimpleCV</a:t>
+            </a:r>
             <a:endParaRPr lang="en-GB" dirty="0"/>
           </a:p>
           <a:p>
             <a:r>
               <a:rPr lang="en-GB" dirty="0" err="1"/>
-              <a:t>Rstudio</a:t>
+              <a:t>Sckit</a:t>
             </a:r>
             <a:r>
               <a:rPr lang="en-GB" dirty="0"/>
-              <a:t> – a nice visual R Development environment, some built in tools</a:t>
-            </a:r>
-          </a:p>
-          <a:p>
-            <a:r>
-              <a:rPr lang="en-GB" dirty="0"/>
-              <a:t>Notepad – code editor</a:t>
-            </a:r>
-          </a:p>
-          <a:p>
+              <a:t>-Learn, </a:t>
+            </a:r>
             <a:r>
               <a:rPr lang="en-GB" dirty="0" err="1"/>
-              <a:t>Jupyter</a:t>
-            </a:r>
-            <a:r>
-              <a:rPr lang="en-GB" dirty="0"/>
-              <a:t> – mix code, text, links etc  easy to share and follow simple code</a:t>
-            </a:r>
-          </a:p>
-          <a:p>
-            <a:r>
-              <a:rPr lang="en-GB" dirty="0"/>
-              <a:t>Visual Studio – advanced integrated development environment</a:t>
-            </a:r>
+              <a:t>XGBoost</a:t>
+            </a:r>
+            <a:endParaRPr lang="en-GB" dirty="0"/>
           </a:p>
         </p:txBody>
       </p:sp>
@@ -893,6 +882,128 @@
           <a:p>
             <a:fld id="{C268A4C8-8020-4B00-A1DD-AF629498B303}" type="slidenum">
               <a:rPr lang="en-GB" smtClean="0"/>
+              <a:t>12</a:t>
+            </a:fld>
+            <a:endParaRPr lang="en-GB"/>
+          </a:p>
+        </p:txBody>
+      </p:sp>
+    </p:spTree>
+    <p:extLst>
+      <p:ext uri="{BB962C8B-B14F-4D97-AF65-F5344CB8AC3E}">
+        <p14:creationId xmlns:p14="http://schemas.microsoft.com/office/powerpoint/2010/main" val="3552944459"/>
+      </p:ext>
+    </p:extLst>
+  </p:cSld>
+  <p:clrMapOvr>
+    <a:masterClrMapping/>
+  </p:clrMapOvr>
+</p:notes>
+</file>
+
+<file path=ppt/notesSlides/notesSlide5.xml><?xml version="1.0" encoding="utf-8"?>
+<p:notes xmlns:a="http://schemas.openxmlformats.org/drawingml/2006/main" xmlns:r="http://schemas.openxmlformats.org/officeDocument/2006/relationships" xmlns:p="http://schemas.openxmlformats.org/presentationml/2006/main">
+  <p:cSld>
+    <p:spTree>
+      <p:nvGrpSpPr>
+        <p:cNvPr id="1" name=""/>
+        <p:cNvGrpSpPr/>
+        <p:nvPr/>
+      </p:nvGrpSpPr>
+      <p:grpSpPr>
+        <a:xfrm>
+          <a:off x="0" y="0"/>
+          <a:ext cx="0" cy="0"/>
+          <a:chOff x="0" y="0"/>
+          <a:chExt cx="0" cy="0"/>
+        </a:xfrm>
+      </p:grpSpPr>
+      <p:sp>
+        <p:nvSpPr>
+          <p:cNvPr id="2" name="Slide Image Placeholder 1"/>
+          <p:cNvSpPr>
+            <a:spLocks noGrp="1" noRot="1" noChangeAspect="1"/>
+          </p:cNvSpPr>
+          <p:nvPr>
+            <p:ph type="sldImg"/>
+          </p:nvPr>
+        </p:nvSpPr>
+        <p:spPr/>
+      </p:sp>
+      <p:sp>
+        <p:nvSpPr>
+          <p:cNvPr id="3" name="Notes Placeholder 2"/>
+          <p:cNvSpPr>
+            <a:spLocks noGrp="1"/>
+          </p:cNvSpPr>
+          <p:nvPr>
+            <p:ph type="body" idx="1"/>
+          </p:nvPr>
+        </p:nvSpPr>
+        <p:spPr/>
+        <p:txBody>
+          <a:bodyPr/>
+          <a:lstStyle/>
+          <a:p>
+            <a:r>
+              <a:rPr lang="en-GB" dirty="0"/>
+              <a:t>Personal preference and system/client constraints can affect choose.</a:t>
+            </a:r>
+          </a:p>
+          <a:p>
+            <a:endParaRPr lang="en-GB" dirty="0"/>
+          </a:p>
+          <a:p>
+            <a:r>
+              <a:rPr lang="en-GB" dirty="0" err="1"/>
+              <a:t>Rstudio</a:t>
+            </a:r>
+            <a:r>
+              <a:rPr lang="en-GB" dirty="0"/>
+              <a:t> – a nice visual R Development environment, some built in tools</a:t>
+            </a:r>
+          </a:p>
+          <a:p>
+            <a:r>
+              <a:rPr lang="en-GB" dirty="0"/>
+              <a:t>Notepad – code editor</a:t>
+            </a:r>
+          </a:p>
+          <a:p>
+            <a:r>
+              <a:rPr lang="en-GB" dirty="0" err="1"/>
+              <a:t>Jupyter</a:t>
+            </a:r>
+            <a:r>
+              <a:rPr lang="en-GB" dirty="0"/>
+              <a:t> – mix code, text, links etc  easy to share and follow simple code</a:t>
+            </a:r>
+          </a:p>
+          <a:p>
+            <a:r>
+              <a:rPr lang="en-GB" dirty="0"/>
+              <a:t>Visual Studio – advanced integrated development environment</a:t>
+            </a:r>
+          </a:p>
+        </p:txBody>
+      </p:sp>
+      <p:sp>
+        <p:nvSpPr>
+          <p:cNvPr id="4" name="Slide Number Placeholder 3"/>
+          <p:cNvSpPr>
+            <a:spLocks noGrp="1"/>
+          </p:cNvSpPr>
+          <p:nvPr>
+            <p:ph type="sldNum" sz="quarter" idx="10"/>
+          </p:nvPr>
+        </p:nvSpPr>
+        <p:spPr/>
+        <p:txBody>
+          <a:bodyPr/>
+          <a:lstStyle/>
+          <a:p>
+            <a:fld id="{C268A4C8-8020-4B00-A1DD-AF629498B303}" type="slidenum">
+              <a:rPr lang="en-GB" smtClean="0"/>
               <a:t>14</a:t>
             </a:fld>
             <a:endParaRPr lang="en-GB"/>
@@ -912,7 +1023,7 @@
 </p:notes>
 </file>
 
-<file path=ppt/notesSlides/notesSlide5.xml><?xml version="1.0" encoding="utf-8"?>
+<file path=ppt/notesSlides/notesSlide6.xml><?xml version="1.0" encoding="utf-8"?>
 <p:notes xmlns:a="http://schemas.openxmlformats.org/drawingml/2006/main" xmlns:r="http://schemas.openxmlformats.org/officeDocument/2006/relationships" xmlns:p="http://schemas.openxmlformats.org/presentationml/2006/main">
   <p:cSld>
     <p:spTree>
@@ -1156,7 +1267,7 @@
           <a:p>
             <a:fld id="{7095B96D-E7F3-4239-A949-04B57D29FF06}" type="datetimeFigureOut">
               <a:rPr lang="en-GB" smtClean="0"/>
-              <a:t>26/11/2018</a:t>
+              <a:t>27/11/2018</a:t>
             </a:fld>
             <a:endParaRPr lang="en-GB"/>
           </a:p>
@@ -1356,7 +1467,7 @@
           <a:p>
             <a:fld id="{7095B96D-E7F3-4239-A949-04B57D29FF06}" type="datetimeFigureOut">
               <a:rPr lang="en-GB" smtClean="0"/>
-              <a:t>26/11/2018</a:t>
+              <a:t>27/11/2018</a:t>
             </a:fld>
             <a:endParaRPr lang="en-GB"/>
           </a:p>
@@ -1566,7 +1677,7 @@
           <a:p>
             <a:fld id="{7095B96D-E7F3-4239-A949-04B57D29FF06}" type="datetimeFigureOut">
               <a:rPr lang="en-GB" smtClean="0"/>
-              <a:t>26/11/2018</a:t>
+              <a:t>27/11/2018</a:t>
             </a:fld>
             <a:endParaRPr lang="en-GB"/>
           </a:p>
@@ -1766,7 +1877,7 @@
           <a:p>
             <a:fld id="{7095B96D-E7F3-4239-A949-04B57D29FF06}" type="datetimeFigureOut">
               <a:rPr lang="en-GB" smtClean="0"/>
-              <a:t>26/11/2018</a:t>
+              <a:t>27/11/2018</a:t>
             </a:fld>
             <a:endParaRPr lang="en-GB"/>
           </a:p>
@@ -2042,7 +2153,7 @@
           <a:p>
             <a:fld id="{7095B96D-E7F3-4239-A949-04B57D29FF06}" type="datetimeFigureOut">
               <a:rPr lang="en-GB" smtClean="0"/>
-              <a:t>26/11/2018</a:t>
+              <a:t>27/11/2018</a:t>
             </a:fld>
             <a:endParaRPr lang="en-GB"/>
           </a:p>
@@ -2310,7 +2421,7 @@
           <a:p>
             <a:fld id="{7095B96D-E7F3-4239-A949-04B57D29FF06}" type="datetimeFigureOut">
               <a:rPr lang="en-GB" smtClean="0"/>
-              <a:t>26/11/2018</a:t>
+              <a:t>27/11/2018</a:t>
             </a:fld>
             <a:endParaRPr lang="en-GB"/>
           </a:p>
@@ -2725,7 +2836,7 @@
           <a:p>
             <a:fld id="{7095B96D-E7F3-4239-A949-04B57D29FF06}" type="datetimeFigureOut">
               <a:rPr lang="en-GB" smtClean="0"/>
-              <a:t>26/11/2018</a:t>
+              <a:t>27/11/2018</a:t>
             </a:fld>
             <a:endParaRPr lang="en-GB"/>
           </a:p>
@@ -2867,7 +2978,7 @@
           <a:p>
             <a:fld id="{7095B96D-E7F3-4239-A949-04B57D29FF06}" type="datetimeFigureOut">
               <a:rPr lang="en-GB" smtClean="0"/>
-              <a:t>26/11/2018</a:t>
+              <a:t>27/11/2018</a:t>
             </a:fld>
             <a:endParaRPr lang="en-GB"/>
           </a:p>
@@ -2980,7 +3091,7 @@
           <a:p>
             <a:fld id="{7095B96D-E7F3-4239-A949-04B57D29FF06}" type="datetimeFigureOut">
               <a:rPr lang="en-GB" smtClean="0"/>
-              <a:t>26/11/2018</a:t>
+              <a:t>27/11/2018</a:t>
             </a:fld>
             <a:endParaRPr lang="en-GB"/>
           </a:p>
@@ -3293,7 +3404,7 @@
           <a:p>
             <a:fld id="{7095B96D-E7F3-4239-A949-04B57D29FF06}" type="datetimeFigureOut">
               <a:rPr lang="en-GB" smtClean="0"/>
-              <a:t>26/11/2018</a:t>
+              <a:t>27/11/2018</a:t>
             </a:fld>
             <a:endParaRPr lang="en-GB"/>
           </a:p>
@@ -3582,7 +3693,7 @@
           <a:p>
             <a:fld id="{7095B96D-E7F3-4239-A949-04B57D29FF06}" type="datetimeFigureOut">
               <a:rPr lang="en-GB" smtClean="0"/>
-              <a:t>26/11/2018</a:t>
+              <a:t>27/11/2018</a:t>
             </a:fld>
             <a:endParaRPr lang="en-GB"/>
           </a:p>
@@ -3825,7 +3936,7 @@
           <a:p>
             <a:fld id="{7095B96D-E7F3-4239-A949-04B57D29FF06}" type="datetimeFigureOut">
               <a:rPr lang="en-GB" smtClean="0"/>
-              <a:t>26/11/2018</a:t>
+              <a:t>27/11/2018</a:t>
             </a:fld>
             <a:endParaRPr lang="en-GB"/>
           </a:p>
@@ -10040,13 +10151,13 @@
             <p:nvPr/>
           </p:nvPicPr>
           <p:blipFill>
-            <a:blip r:embed="rId2">
+            <a:blip r:embed="rId3">
               <a:extLst>
                 <a:ext uri="{28A0092B-C50C-407E-A947-70E740481C1C}">
                   <a14:useLocalDpi xmlns:a14="http://schemas.microsoft.com/office/drawing/2010/main" val="0"/>
                 </a:ext>
                 <a:ext uri="{96DAC541-7B7A-43D3-8B79-37D633B846F1}">
-                  <asvg:svgBlip xmlns:asvg="http://schemas.microsoft.com/office/drawing/2016/SVG/main" r:embed="rId3"/>
+                  <asvg:svgBlip xmlns:asvg="http://schemas.microsoft.com/office/drawing/2016/SVG/main" r:embed="rId4"/>
                 </a:ext>
               </a:extLst>
             </a:blip>
@@ -10504,13 +10615,13 @@
             <p:nvPr/>
           </p:nvPicPr>
           <p:blipFill>
-            <a:blip r:embed="rId2">
+            <a:blip r:embed="rId3">
               <a:extLst>
                 <a:ext uri="{28A0092B-C50C-407E-A947-70E740481C1C}">
                   <a14:useLocalDpi xmlns:a14="http://schemas.microsoft.com/office/drawing/2010/main" val="0"/>
                 </a:ext>
                 <a:ext uri="{96DAC541-7B7A-43D3-8B79-37D633B846F1}">
-                  <asvg:svgBlip xmlns:asvg="http://schemas.microsoft.com/office/drawing/2016/SVG/main" r:embed="rId3"/>
+                  <asvg:svgBlip xmlns:asvg="http://schemas.microsoft.com/office/drawing/2016/SVG/main" r:embed="rId4"/>
                 </a:ext>
               </a:extLst>
             </a:blip>
@@ -10771,13 +10882,13 @@
             <p:nvPr/>
           </p:nvPicPr>
           <p:blipFill>
-            <a:blip r:embed="rId2">
+            <a:blip r:embed="rId3">
               <a:extLst>
                 <a:ext uri="{28A0092B-C50C-407E-A947-70E740481C1C}">
                   <a14:useLocalDpi xmlns:a14="http://schemas.microsoft.com/office/drawing/2010/main" val="0"/>
                 </a:ext>
                 <a:ext uri="{96DAC541-7B7A-43D3-8B79-37D633B846F1}">
-                  <asvg:svgBlip xmlns:asvg="http://schemas.microsoft.com/office/drawing/2016/SVG/main" r:embed="rId3"/>
+                  <asvg:svgBlip xmlns:asvg="http://schemas.microsoft.com/office/drawing/2016/SVG/main" r:embed="rId4"/>
                 </a:ext>
               </a:extLst>
             </a:blip>
@@ -11033,13 +11144,13 @@
             <p:nvPr/>
           </p:nvPicPr>
           <p:blipFill>
-            <a:blip r:embed="rId2">
+            <a:blip r:embed="rId3">
               <a:extLst>
                 <a:ext uri="{28A0092B-C50C-407E-A947-70E740481C1C}">
                   <a14:useLocalDpi xmlns:a14="http://schemas.microsoft.com/office/drawing/2010/main" val="0"/>
                 </a:ext>
                 <a:ext uri="{96DAC541-7B7A-43D3-8B79-37D633B846F1}">
-                  <asvg:svgBlip xmlns:asvg="http://schemas.microsoft.com/office/drawing/2016/SVG/main" r:embed="rId3"/>
+                  <asvg:svgBlip xmlns:asvg="http://schemas.microsoft.com/office/drawing/2016/SVG/main" r:embed="rId4"/>
                 </a:ext>
               </a:extLst>
             </a:blip>
@@ -11292,13 +11403,13 @@
             <p:nvPr/>
           </p:nvPicPr>
           <p:blipFill>
-            <a:blip r:embed="rId4">
+            <a:blip r:embed="rId5">
               <a:extLst>
                 <a:ext uri="{28A0092B-C50C-407E-A947-70E740481C1C}">
                   <a14:useLocalDpi xmlns:a14="http://schemas.microsoft.com/office/drawing/2010/main" val="0"/>
                 </a:ext>
                 <a:ext uri="{96DAC541-7B7A-43D3-8B79-37D633B846F1}">
-                  <asvg:svgBlip xmlns:asvg="http://schemas.microsoft.com/office/drawing/2016/SVG/main" r:embed="rId5"/>
+                  <asvg:svgBlip xmlns:asvg="http://schemas.microsoft.com/office/drawing/2016/SVG/main" r:embed="rId6"/>
                 </a:ext>
               </a:extLst>
             </a:blip>
@@ -11551,13 +11662,13 @@
             <p:nvPr/>
           </p:nvPicPr>
           <p:blipFill>
-            <a:blip r:embed="rId4">
+            <a:blip r:embed="rId5">
               <a:extLst>
                 <a:ext uri="{28A0092B-C50C-407E-A947-70E740481C1C}">
                   <a14:useLocalDpi xmlns:a14="http://schemas.microsoft.com/office/drawing/2010/main" val="0"/>
                 </a:ext>
                 <a:ext uri="{96DAC541-7B7A-43D3-8B79-37D633B846F1}">
-                  <asvg:svgBlip xmlns:asvg="http://schemas.microsoft.com/office/drawing/2016/SVG/main" r:embed="rId5"/>
+                  <asvg:svgBlip xmlns:asvg="http://schemas.microsoft.com/office/drawing/2016/SVG/main" r:embed="rId6"/>
                 </a:ext>
               </a:extLst>
             </a:blip>
@@ -11611,13 +11722,13 @@
             <p:nvPr/>
           </p:nvPicPr>
           <p:blipFill>
-            <a:blip r:embed="rId2">
+            <a:blip r:embed="rId3">
               <a:extLst>
                 <a:ext uri="{28A0092B-C50C-407E-A947-70E740481C1C}">
                   <a14:useLocalDpi xmlns:a14="http://schemas.microsoft.com/office/drawing/2010/main" val="0"/>
                 </a:ext>
                 <a:ext uri="{96DAC541-7B7A-43D3-8B79-37D633B846F1}">
-                  <asvg:svgBlip xmlns:asvg="http://schemas.microsoft.com/office/drawing/2016/SVG/main" r:embed="rId3"/>
+                  <asvg:svgBlip xmlns:asvg="http://schemas.microsoft.com/office/drawing/2016/SVG/main" r:embed="rId4"/>
                 </a:ext>
               </a:extLst>
             </a:blip>
@@ -11834,6 +11945,265 @@
             </a:p>
           </p:txBody>
         </p:sp>
+      </p:grpSp>
+      <p:grpSp>
+        <p:nvGrpSpPr>
+          <p:cNvPr id="3" name="Group 2">
+            <a:extLst>
+              <a:ext uri="{FF2B5EF4-FFF2-40B4-BE49-F238E27FC236}">
+                <a16:creationId xmlns:a16="http://schemas.microsoft.com/office/drawing/2014/main" id="{2C8BEC81-7EA7-4E92-8B33-7B61787A3D76}"/>
+              </a:ext>
+            </a:extLst>
+          </p:cNvPr>
+          <p:cNvGrpSpPr/>
+          <p:nvPr/>
+        </p:nvGrpSpPr>
+        <p:grpSpPr>
+          <a:xfrm>
+            <a:off x="990600" y="5263906"/>
+            <a:ext cx="10515600" cy="931909"/>
+            <a:chOff x="990600" y="5263906"/>
+            <a:chExt cx="10515600" cy="931909"/>
+          </a:xfrm>
+        </p:grpSpPr>
+        <p:sp>
+          <p:nvSpPr>
+            <p:cNvPr id="31" name="Content Placeholder 2">
+              <a:extLst>
+                <a:ext uri="{FF2B5EF4-FFF2-40B4-BE49-F238E27FC236}">
+                  <a16:creationId xmlns:a16="http://schemas.microsoft.com/office/drawing/2014/main" id="{7D568E08-E714-4656-8A38-9C988874D7D8}"/>
+                </a:ext>
+              </a:extLst>
+            </p:cNvPr>
+            <p:cNvSpPr txBox="1">
+              <a:spLocks/>
+            </p:cNvSpPr>
+            <p:nvPr/>
+          </p:nvSpPr>
+          <p:spPr>
+            <a:xfrm>
+              <a:off x="990600" y="5574418"/>
+              <a:ext cx="10515600" cy="621397"/>
+            </a:xfrm>
+            <a:prstGeom prst="rect">
+              <a:avLst/>
+            </a:prstGeom>
+          </p:spPr>
+          <p:txBody>
+            <a:bodyPr vert="horz" lIns="91440" tIns="45720" rIns="91440" bIns="45720" rtlCol="0">
+              <a:normAutofit/>
+            </a:bodyPr>
+            <a:lstStyle>
+              <a:lvl1pPr marL="228600" indent="-228600" algn="l" defTabSz="914400" rtl="0" eaLnBrk="1" latinLnBrk="0" hangingPunct="1">
+                <a:lnSpc>
+                  <a:spcPct val="90000"/>
+                </a:lnSpc>
+                <a:spcBef>
+                  <a:spcPts val="1000"/>
+                </a:spcBef>
+                <a:buFont typeface="Arial" panose="020B0604020202020204" pitchFamily="34" charset="0"/>
+                <a:buChar char="•"/>
+                <a:defRPr sz="2800" kern="1200">
+                  <a:solidFill>
+                    <a:schemeClr val="tx1"/>
+                  </a:solidFill>
+                  <a:latin typeface="+mn-lt"/>
+                  <a:ea typeface="+mn-ea"/>
+                  <a:cs typeface="+mn-cs"/>
+                </a:defRPr>
+              </a:lvl1pPr>
+              <a:lvl2pPr marL="685800" indent="-228600" algn="l" defTabSz="914400" rtl="0" eaLnBrk="1" latinLnBrk="0" hangingPunct="1">
+                <a:lnSpc>
+                  <a:spcPct val="90000"/>
+                </a:lnSpc>
+                <a:spcBef>
+                  <a:spcPts val="500"/>
+                </a:spcBef>
+                <a:buFont typeface="Arial" panose="020B0604020202020204" pitchFamily="34" charset="0"/>
+                <a:buChar char="•"/>
+                <a:defRPr sz="2400" kern="1200">
+                  <a:solidFill>
+                    <a:schemeClr val="tx1"/>
+                  </a:solidFill>
+                  <a:latin typeface="+mn-lt"/>
+                  <a:ea typeface="+mn-ea"/>
+                  <a:cs typeface="+mn-cs"/>
+                </a:defRPr>
+              </a:lvl2pPr>
+              <a:lvl3pPr marL="1143000" indent="-228600" algn="l" defTabSz="914400" rtl="0" eaLnBrk="1" latinLnBrk="0" hangingPunct="1">
+                <a:lnSpc>
+                  <a:spcPct val="90000"/>
+                </a:lnSpc>
+                <a:spcBef>
+                  <a:spcPts val="500"/>
+                </a:spcBef>
+                <a:buFont typeface="Arial" panose="020B0604020202020204" pitchFamily="34" charset="0"/>
+                <a:buChar char="•"/>
+                <a:defRPr sz="2000" kern="1200">
+                  <a:solidFill>
+                    <a:schemeClr val="tx1"/>
+                  </a:solidFill>
+                  <a:latin typeface="+mn-lt"/>
+                  <a:ea typeface="+mn-ea"/>
+                  <a:cs typeface="+mn-cs"/>
+                </a:defRPr>
+              </a:lvl3pPr>
+              <a:lvl4pPr marL="1600200" indent="-228600" algn="l" defTabSz="914400" rtl="0" eaLnBrk="1" latinLnBrk="0" hangingPunct="1">
+                <a:lnSpc>
+                  <a:spcPct val="90000"/>
+                </a:lnSpc>
+                <a:spcBef>
+                  <a:spcPts val="500"/>
+                </a:spcBef>
+                <a:buFont typeface="Arial" panose="020B0604020202020204" pitchFamily="34" charset="0"/>
+                <a:buChar char="•"/>
+                <a:defRPr sz="1800" kern="1200">
+                  <a:solidFill>
+                    <a:schemeClr val="tx1"/>
+                  </a:solidFill>
+                  <a:latin typeface="+mn-lt"/>
+                  <a:ea typeface="+mn-ea"/>
+                  <a:cs typeface="+mn-cs"/>
+                </a:defRPr>
+              </a:lvl4pPr>
+              <a:lvl5pPr marL="2057400" indent="-228600" algn="l" defTabSz="914400" rtl="0" eaLnBrk="1" latinLnBrk="0" hangingPunct="1">
+                <a:lnSpc>
+                  <a:spcPct val="90000"/>
+                </a:lnSpc>
+                <a:spcBef>
+                  <a:spcPts val="500"/>
+                </a:spcBef>
+                <a:buFont typeface="Arial" panose="020B0604020202020204" pitchFamily="34" charset="0"/>
+                <a:buChar char="•"/>
+                <a:defRPr sz="1800" kern="1200">
+                  <a:solidFill>
+                    <a:schemeClr val="tx1"/>
+                  </a:solidFill>
+                  <a:latin typeface="+mn-lt"/>
+                  <a:ea typeface="+mn-ea"/>
+                  <a:cs typeface="+mn-cs"/>
+                </a:defRPr>
+              </a:lvl5pPr>
+              <a:lvl6pPr marL="2514600" indent="-228600" algn="l" defTabSz="914400" rtl="0" eaLnBrk="1" latinLnBrk="0" hangingPunct="1">
+                <a:lnSpc>
+                  <a:spcPct val="90000"/>
+                </a:lnSpc>
+                <a:spcBef>
+                  <a:spcPts val="500"/>
+                </a:spcBef>
+                <a:buFont typeface="Arial" panose="020B0604020202020204" pitchFamily="34" charset="0"/>
+                <a:buChar char="•"/>
+                <a:defRPr sz="1800" kern="1200">
+                  <a:solidFill>
+                    <a:schemeClr val="tx1"/>
+                  </a:solidFill>
+                  <a:latin typeface="+mn-lt"/>
+                  <a:ea typeface="+mn-ea"/>
+                  <a:cs typeface="+mn-cs"/>
+                </a:defRPr>
+              </a:lvl6pPr>
+              <a:lvl7pPr marL="2971800" indent="-228600" algn="l" defTabSz="914400" rtl="0" eaLnBrk="1" latinLnBrk="0" hangingPunct="1">
+                <a:lnSpc>
+                  <a:spcPct val="90000"/>
+                </a:lnSpc>
+                <a:spcBef>
+                  <a:spcPts val="500"/>
+                </a:spcBef>
+                <a:buFont typeface="Arial" panose="020B0604020202020204" pitchFamily="34" charset="0"/>
+                <a:buChar char="•"/>
+                <a:defRPr sz="1800" kern="1200">
+                  <a:solidFill>
+                    <a:schemeClr val="tx1"/>
+                  </a:solidFill>
+                  <a:latin typeface="+mn-lt"/>
+                  <a:ea typeface="+mn-ea"/>
+                  <a:cs typeface="+mn-cs"/>
+                </a:defRPr>
+              </a:lvl7pPr>
+              <a:lvl8pPr marL="3429000" indent="-228600" algn="l" defTabSz="914400" rtl="0" eaLnBrk="1" latinLnBrk="0" hangingPunct="1">
+                <a:lnSpc>
+                  <a:spcPct val="90000"/>
+                </a:lnSpc>
+                <a:spcBef>
+                  <a:spcPts val="500"/>
+                </a:spcBef>
+                <a:buFont typeface="Arial" panose="020B0604020202020204" pitchFamily="34" charset="0"/>
+                <a:buChar char="•"/>
+                <a:defRPr sz="1800" kern="1200">
+                  <a:solidFill>
+                    <a:schemeClr val="tx1"/>
+                  </a:solidFill>
+                  <a:latin typeface="+mn-lt"/>
+                  <a:ea typeface="+mn-ea"/>
+                  <a:cs typeface="+mn-cs"/>
+                </a:defRPr>
+              </a:lvl8pPr>
+              <a:lvl9pPr marL="3886200" indent="-228600" algn="l" defTabSz="914400" rtl="0" eaLnBrk="1" latinLnBrk="0" hangingPunct="1">
+                <a:lnSpc>
+                  <a:spcPct val="90000"/>
+                </a:lnSpc>
+                <a:spcBef>
+                  <a:spcPts val="500"/>
+                </a:spcBef>
+                <a:buFont typeface="Arial" panose="020B0604020202020204" pitchFamily="34" charset="0"/>
+                <a:buChar char="•"/>
+                <a:defRPr sz="1800" kern="1200">
+                  <a:solidFill>
+                    <a:schemeClr val="tx1"/>
+                  </a:solidFill>
+                  <a:latin typeface="+mn-lt"/>
+                  <a:ea typeface="+mn-ea"/>
+                  <a:cs typeface="+mn-cs"/>
+                </a:defRPr>
+              </a:lvl9pPr>
+            </a:lstStyle>
+            <a:p>
+              <a:r>
+                <a:rPr lang="en-GB" dirty="0"/>
+                <a:t>About encouraging a great coding community in ONS </a:t>
+              </a:r>
+            </a:p>
+          </p:txBody>
+        </p:sp>
+        <p:pic>
+          <p:nvPicPr>
+            <p:cNvPr id="39" name="Graphic 38" descr="Checkmark">
+              <a:extLst>
+                <a:ext uri="{FF2B5EF4-FFF2-40B4-BE49-F238E27FC236}">
+                  <a16:creationId xmlns:a16="http://schemas.microsoft.com/office/drawing/2014/main" id="{E2CF21AE-136C-4631-A02E-707BBF0D43E0}"/>
+                </a:ext>
+              </a:extLst>
+            </p:cNvPr>
+            <p:cNvPicPr>
+              <a:picLocks noChangeAspect="1"/>
+            </p:cNvPicPr>
+            <p:nvPr/>
+          </p:nvPicPr>
+          <p:blipFill>
+            <a:blip r:embed="rId3">
+              <a:extLst>
+                <a:ext uri="{28A0092B-C50C-407E-A947-70E740481C1C}">
+                  <a14:useLocalDpi xmlns:a14="http://schemas.microsoft.com/office/drawing/2010/main" val="0"/>
+                </a:ext>
+                <a:ext uri="{96DAC541-7B7A-43D3-8B79-37D633B846F1}">
+                  <asvg:svgBlip xmlns:asvg="http://schemas.microsoft.com/office/drawing/2016/SVG/main" r:embed="rId4"/>
+                </a:ext>
+              </a:extLst>
+            </a:blip>
+            <a:stretch>
+              <a:fillRect/>
+            </a:stretch>
+          </p:blipFill>
+          <p:spPr>
+            <a:xfrm>
+              <a:off x="9101327" y="5263906"/>
+              <a:ext cx="914400" cy="914400"/>
+            </a:xfrm>
+            <a:prstGeom prst="rect">
+              <a:avLst/>
+            </a:prstGeom>
+          </p:spPr>
+        </p:pic>
       </p:grpSp>
     </p:spTree>
     <p:extLst>
@@ -12490,6 +12860,97 @@
                       </p:childTnLst>
                     </p:cTn>
                   </p:par>
+                  <p:par>
+                    <p:cTn id="45" fill="hold">
+                      <p:stCondLst>
+                        <p:cond delay="indefinite"/>
+                      </p:stCondLst>
+                      <p:childTnLst>
+                        <p:par>
+                          <p:cTn id="46" fill="hold">
+                            <p:stCondLst>
+                              <p:cond delay="0"/>
+                            </p:stCondLst>
+                            <p:childTnLst>
+                              <p:par>
+                                <p:cTn id="47" presetID="2" presetClass="entr" presetSubtype="4" fill="hold" nodeType="clickEffect">
+                                  <p:stCondLst>
+                                    <p:cond delay="0"/>
+                                  </p:stCondLst>
+                                  <p:childTnLst>
+                                    <p:set>
+                                      <p:cBhvr>
+                                        <p:cTn id="48" dur="1" fill="hold">
+                                          <p:stCondLst>
+                                            <p:cond delay="0"/>
+                                          </p:stCondLst>
+                                        </p:cTn>
+                                        <p:tgtEl>
+                                          <p:spTgt spid="3"/>
+                                        </p:tgtEl>
+                                        <p:attrNameLst>
+                                          <p:attrName>style.visibility</p:attrName>
+                                        </p:attrNameLst>
+                                      </p:cBhvr>
+                                      <p:to>
+                                        <p:strVal val="visible"/>
+                                      </p:to>
+                                    </p:set>
+                                    <p:anim calcmode="lin" valueType="num">
+                                      <p:cBhvr additive="base">
+                                        <p:cTn id="49" dur="500" fill="hold"/>
+                                        <p:tgtEl>
+                                          <p:spTgt spid="3"/>
+                                        </p:tgtEl>
+                                        <p:attrNameLst>
+                                          <p:attrName>ppt_x</p:attrName>
+                                        </p:attrNameLst>
+                                      </p:cBhvr>
+                                      <p:tavLst>
+                                        <p:tav tm="0">
+                                          <p:val>
+                                            <p:strVal val="#ppt_x"/>
+                                          </p:val>
+                                        </p:tav>
+                                        <p:tav tm="100000">
+                                          <p:val>
+                                            <p:strVal val="#ppt_x"/>
+                                          </p:val>
+                                        </p:tav>
+                                      </p:tavLst>
+                                    </p:anim>
+                                    <p:anim calcmode="lin" valueType="num">
+                                      <p:cBhvr additive="base">
+                                        <p:cTn id="50" dur="500" fill="hold"/>
+                                        <p:tgtEl>
+                                          <p:spTgt spid="3"/>
+                                        </p:tgtEl>
+                                        <p:attrNameLst>
+                                          <p:attrName>ppt_y</p:attrName>
+                                        </p:attrNameLst>
+                                      </p:cBhvr>
+                                      <p:tavLst>
+                                        <p:tav tm="0">
+                                          <p:val>
+                                            <p:strVal val="1+#ppt_h/2"/>
+                                          </p:val>
+                                        </p:tav>
+                                        <p:tav tm="100000">
+                                          <p:val>
+                                            <p:strVal val="#ppt_y"/>
+                                          </p:val>
+                                        </p:tav>
+                                      </p:tavLst>
+                                    </p:anim>
+                                  </p:childTnLst>
+                                </p:cTn>
+                              </p:par>
+                            </p:childTnLst>
+                          </p:cTn>
+                        </p:par>
+                      </p:childTnLst>
+                    </p:cTn>
+                  </p:par>
                 </p:childTnLst>
               </p:cTn>
               <p:prevCondLst>
@@ -15665,18 +16126,18 @@
 </file>
 
 <file path=customXml/item1.xml><?xml version="1.0" encoding="utf-8"?>
-<p:properties xmlns:p="http://schemas.microsoft.com/office/2006/metadata/properties" xmlns:xsi="http://www.w3.org/2001/XMLSchema-instance" xmlns:pc="http://schemas.microsoft.com/office/infopath/2007/PartnerControls">
-  <documentManagement/>
-</p:properties>
-</file>
-
-<file path=customXml/item2.xml><?xml version="1.0" encoding="utf-8"?>
 <?mso-contentType ?>
 <FormTemplates xmlns="http://schemas.microsoft.com/sharepoint/v3/contenttype/forms">
   <Display>DocumentLibraryForm</Display>
   <Edit>DocumentLibraryForm</Edit>
   <New>DocumentLibraryForm</New>
 </FormTemplates>
+</file>
+
+<file path=customXml/item2.xml><?xml version="1.0" encoding="utf-8"?>
+<p:properties xmlns:p="http://schemas.microsoft.com/office/2006/metadata/properties" xmlns:xsi="http://www.w3.org/2001/XMLSchema-instance" xmlns:pc="http://schemas.microsoft.com/office/infopath/2007/PartnerControls">
+  <documentManagement/>
+</p:properties>
 </file>
 
 <file path=customXml/item3.xml><?xml version="1.0" encoding="utf-8"?>
@@ -15794,6 +16255,14 @@
 </file>
 
 <file path=customXml/itemProps1.xml><?xml version="1.0" encoding="utf-8"?>
+<ds:datastoreItem xmlns:ds="http://schemas.openxmlformats.org/officeDocument/2006/customXml" ds:itemID="{8D1DE372-7255-4DC3-8C9E-874B9EE9D85D}">
+  <ds:schemaRefs>
+    <ds:schemaRef ds:uri="http://schemas.microsoft.com/sharepoint/v3/contenttype/forms"/>
+  </ds:schemaRefs>
+</ds:datastoreItem>
+</file>
+
+<file path=customXml/itemProps2.xml><?xml version="1.0" encoding="utf-8"?>
 <ds:datastoreItem xmlns:ds="http://schemas.openxmlformats.org/officeDocument/2006/customXml" ds:itemID="{0190BE43-C280-47CB-B7F1-0F4D70DA2BC5}">
   <ds:schemaRefs>
     <ds:schemaRef ds:uri="http://schemas.microsoft.com/office/2006/documentManagement/types"/>
@@ -15804,14 +16273,6 @@
     <ds:schemaRef ds:uri="http://purl.org/dc/dcmitype/"/>
     <ds:schemaRef ds:uri="http://schemas.microsoft.com/office/infopath/2007/PartnerControls"/>
     <ds:schemaRef ds:uri="http://schemas.openxmlformats.org/package/2006/metadata/core-properties"/>
-  </ds:schemaRefs>
-</ds:datastoreItem>
-</file>
-
-<file path=customXml/itemProps2.xml><?xml version="1.0" encoding="utf-8"?>
-<ds:datastoreItem xmlns:ds="http://schemas.openxmlformats.org/officeDocument/2006/customXml" ds:itemID="{8D1DE372-7255-4DC3-8C9E-874B9EE9D85D}">
-  <ds:schemaRefs>
-    <ds:schemaRef ds:uri="http://schemas.microsoft.com/sharepoint/v3/contenttype/forms"/>
   </ds:schemaRefs>
 </ds:datastoreItem>
 </file>
